--- a/Hive.pptx
+++ b/Hive.pptx
@@ -305,7 +305,7 @@
           <a:p>
             <a:fld id="{9B4739BE-F4D8-2949-A060-05C52D926A10}" type="datetimeFigureOut">
               <a:rPr lang="en-US" smtClean="0"/>
-              <a:t>6/21/17</a:t>
+              <a:t>6/23/17</a:t>
             </a:fld>
             <a:endParaRPr lang="en-US"/>
           </a:p>
@@ -475,7 +475,7 @@
           <a:p>
             <a:fld id="{9B4739BE-F4D8-2949-A060-05C52D926A10}" type="datetimeFigureOut">
               <a:rPr lang="en-US" smtClean="0"/>
-              <a:t>6/21/17</a:t>
+              <a:t>6/23/17</a:t>
             </a:fld>
             <a:endParaRPr lang="en-US"/>
           </a:p>
@@ -655,7 +655,7 @@
           <a:p>
             <a:fld id="{9B4739BE-F4D8-2949-A060-05C52D926A10}" type="datetimeFigureOut">
               <a:rPr lang="en-US" smtClean="0"/>
-              <a:t>6/21/17</a:t>
+              <a:t>6/23/17</a:t>
             </a:fld>
             <a:endParaRPr lang="en-US"/>
           </a:p>
@@ -825,7 +825,7 @@
           <a:p>
             <a:fld id="{9B4739BE-F4D8-2949-A060-05C52D926A10}" type="datetimeFigureOut">
               <a:rPr lang="en-US" smtClean="0"/>
-              <a:t>6/21/17</a:t>
+              <a:t>6/23/17</a:t>
             </a:fld>
             <a:endParaRPr lang="en-US"/>
           </a:p>
@@ -1071,7 +1071,7 @@
           <a:p>
             <a:fld id="{9B4739BE-F4D8-2949-A060-05C52D926A10}" type="datetimeFigureOut">
               <a:rPr lang="en-US" smtClean="0"/>
-              <a:t>6/21/17</a:t>
+              <a:t>6/23/17</a:t>
             </a:fld>
             <a:endParaRPr lang="en-US"/>
           </a:p>
@@ -1359,7 +1359,7 @@
           <a:p>
             <a:fld id="{9B4739BE-F4D8-2949-A060-05C52D926A10}" type="datetimeFigureOut">
               <a:rPr lang="en-US" smtClean="0"/>
-              <a:t>6/21/17</a:t>
+              <a:t>6/23/17</a:t>
             </a:fld>
             <a:endParaRPr lang="en-US"/>
           </a:p>
@@ -1781,7 +1781,7 @@
           <a:p>
             <a:fld id="{9B4739BE-F4D8-2949-A060-05C52D926A10}" type="datetimeFigureOut">
               <a:rPr lang="en-US" smtClean="0"/>
-              <a:t>6/21/17</a:t>
+              <a:t>6/23/17</a:t>
             </a:fld>
             <a:endParaRPr lang="en-US"/>
           </a:p>
@@ -1899,7 +1899,7 @@
           <a:p>
             <a:fld id="{9B4739BE-F4D8-2949-A060-05C52D926A10}" type="datetimeFigureOut">
               <a:rPr lang="en-US" smtClean="0"/>
-              <a:t>6/21/17</a:t>
+              <a:t>6/23/17</a:t>
             </a:fld>
             <a:endParaRPr lang="en-US"/>
           </a:p>
@@ -1994,7 +1994,7 @@
           <a:p>
             <a:fld id="{9B4739BE-F4D8-2949-A060-05C52D926A10}" type="datetimeFigureOut">
               <a:rPr lang="en-US" smtClean="0"/>
-              <a:t>6/21/17</a:t>
+              <a:t>6/23/17</a:t>
             </a:fld>
             <a:endParaRPr lang="en-US"/>
           </a:p>
@@ -2271,7 +2271,7 @@
           <a:p>
             <a:fld id="{9B4739BE-F4D8-2949-A060-05C52D926A10}" type="datetimeFigureOut">
               <a:rPr lang="en-US" smtClean="0"/>
-              <a:t>6/21/17</a:t>
+              <a:t>6/23/17</a:t>
             </a:fld>
             <a:endParaRPr lang="en-US"/>
           </a:p>
@@ -2524,7 +2524,7 @@
           <a:p>
             <a:fld id="{9B4739BE-F4D8-2949-A060-05C52D926A10}" type="datetimeFigureOut">
               <a:rPr lang="en-US" smtClean="0"/>
-              <a:t>6/21/17</a:t>
+              <a:t>6/23/17</a:t>
             </a:fld>
             <a:endParaRPr lang="en-US"/>
           </a:p>
@@ -2737,7 +2737,7 @@
           <a:p>
             <a:fld id="{9B4739BE-F4D8-2949-A060-05C52D926A10}" type="datetimeFigureOut">
               <a:rPr lang="en-US" smtClean="0"/>
-              <a:t>6/21/17</a:t>
+              <a:t>6/23/17</a:t>
             </a:fld>
             <a:endParaRPr lang="en-US"/>
           </a:p>
@@ -3351,11 +3351,7 @@
             </a:r>
             <a:r>
               <a:rPr lang="en-US" dirty="0" smtClean="0"/>
-              <a:t> </a:t>
-            </a:r>
-            <a:r>
-              <a:rPr lang="en-US" dirty="0" smtClean="0"/>
-              <a:t>tables and Hive queries</a:t>
+              <a:t> tables and Hive queries</a:t>
             </a:r>
           </a:p>
           <a:p>
@@ -3579,6 +3575,42 @@
           </a:prstGeom>
         </p:spPr>
       </p:pic>
+      <p:cxnSp>
+        <p:nvCxnSpPr>
+          <p:cNvPr id="5" name="Straight Arrow Connector 4"/>
+          <p:cNvCxnSpPr/>
+          <p:nvPr/>
+        </p:nvCxnSpPr>
+        <p:spPr>
+          <a:xfrm>
+            <a:off x="768933" y="1159864"/>
+            <a:ext cx="746247" cy="1335473"/>
+          </a:xfrm>
+          <a:prstGeom prst="straightConnector1">
+            <a:avLst/>
+          </a:prstGeom>
+          <a:ln>
+            <a:solidFill>
+              <a:srgbClr val="FF0000"/>
+            </a:solidFill>
+            <a:tailEnd type="arrow"/>
+          </a:ln>
+        </p:spPr>
+        <p:style>
+          <a:lnRef idx="2">
+            <a:schemeClr val="accent1"/>
+          </a:lnRef>
+          <a:fillRef idx="0">
+            <a:schemeClr val="accent1"/>
+          </a:fillRef>
+          <a:effectRef idx="1">
+            <a:schemeClr val="accent1"/>
+          </a:effectRef>
+          <a:fontRef idx="minor">
+            <a:schemeClr val="tx1"/>
+          </a:fontRef>
+        </p:style>
+      </p:cxnSp>
     </p:spTree>
     <p:extLst>
       <p:ext uri="{BB962C8B-B14F-4D97-AF65-F5344CB8AC3E}">
@@ -4158,7 +4190,18 @@
             <a:pPr lvl="1"/>
             <a:r>
               <a:rPr lang="en-US" dirty="0" smtClean="0"/>
-              <a:t>Cost-base optimization</a:t>
+              <a:t>Cost-base </a:t>
+            </a:r>
+            <a:r>
+              <a:rPr lang="en-US" dirty="0" smtClean="0"/>
+              <a:t>optimization</a:t>
+            </a:r>
+          </a:p>
+          <a:p>
+            <a:pPr lvl="1"/>
+            <a:r>
+              <a:rPr lang="en-US" dirty="0" smtClean="0"/>
+              <a:t>All of the above</a:t>
             </a:r>
             <a:endParaRPr lang="en-US" dirty="0"/>
           </a:p>
@@ -4296,11 +4339,7 @@
             </a:r>
             <a:r>
               <a:rPr lang="en-US" dirty="0" smtClean="0"/>
-              <a:t> </a:t>
-            </a:r>
-            <a:r>
-              <a:rPr lang="en-US" dirty="0" smtClean="0"/>
-              <a:t>wide column database</a:t>
+              <a:t> wide column database</a:t>
             </a:r>
           </a:p>
           <a:p>
@@ -4370,8 +4409,8 @@
           <a:lstStyle/>
           <a:p>
             <a:r>
-              <a:rPr lang="en-US" dirty="0" err="1" smtClean="0"/>
-              <a:t>Hbase</a:t>
+              <a:rPr lang="en-US" dirty="0" smtClean="0"/>
+              <a:t>HBase</a:t>
             </a:r>
             <a:r>
               <a:rPr lang="en-US" dirty="0" smtClean="0"/>
@@ -4398,11 +4437,7 @@
           <a:p>
             <a:r>
               <a:rPr lang="en-US" dirty="0" smtClean="0"/>
-              <a:t>Wide-</a:t>
-            </a:r>
-            <a:r>
-              <a:rPr lang="en-US" dirty="0" smtClean="0"/>
-              <a:t>column, </a:t>
+              <a:t>Wide-column, </a:t>
             </a:r>
             <a:r>
               <a:rPr lang="en-US" dirty="0" err="1" smtClean="0"/>
@@ -4498,15 +4533,11 @@
           <a:p>
             <a:r>
               <a:rPr lang="en-US" dirty="0" smtClean="0"/>
-              <a:t>Hive </a:t>
-            </a:r>
-            <a:r>
-              <a:rPr lang="en-US" dirty="0" smtClean="0"/>
-              <a:t>usage example</a:t>
-            </a:r>
-            <a:r>
-              <a:rPr lang="en-US" dirty="0" smtClean="0"/>
-              <a:t>:</a:t>
+              <a:t>Basic Hive </a:t>
+            </a:r>
+            <a:r>
+              <a:rPr lang="en-US" dirty="0" smtClean="0"/>
+              <a:t>usage example:</a:t>
             </a:r>
             <a:endParaRPr lang="en-US" dirty="0"/>
           </a:p>
@@ -4726,7 +4757,11 @@
           <a:p>
             <a:r>
               <a:rPr lang="en-US" dirty="0" smtClean="0"/>
-              <a:t>Starting the Hive service </a:t>
+              <a:t>Start </a:t>
+            </a:r>
+            <a:r>
+              <a:rPr lang="en-US" dirty="0" smtClean="0"/>
+              <a:t>the Hive service </a:t>
             </a:r>
           </a:p>
           <a:p>
